--- a/proctoring/Proctoring Suggested Changes.pptx
+++ b/proctoring/Proctoring Suggested Changes.pptx
@@ -5,7 +5,7 @@
     <p:sldMasterId id="2147483816" r:id="rId1"/>
   </p:sldMasterIdLst>
   <p:notesMasterIdLst>
-    <p:notesMasterId r:id="rId8"/>
+    <p:notesMasterId r:id="rId11"/>
   </p:notesMasterIdLst>
   <p:sldIdLst>
     <p:sldId id="256" r:id="rId2"/>
@@ -14,6 +14,9 @@
     <p:sldId id="259" r:id="rId5"/>
     <p:sldId id="262" r:id="rId6"/>
     <p:sldId id="258" r:id="rId7"/>
+    <p:sldId id="264" r:id="rId8"/>
+    <p:sldId id="265" r:id="rId9"/>
+    <p:sldId id="263" r:id="rId10"/>
   </p:sldIdLst>
   <p:sldSz cx="9144000" cy="5143500" type="screen16x9"/>
   <p:notesSz cx="6858000" cy="9144000"/>
@@ -197,7 +200,7 @@
           <a:p>
             <a:fld id="{04C8B89A-83BF-4366-AFC3-D23A2FFEFF0B}" type="datetimeFigureOut">
               <a:rPr lang="en-AU" smtClean="0"/>
-              <a:t>10/10/2017</a:t>
+              <a:t>19/10/2017</a:t>
             </a:fld>
             <a:endParaRPr lang="en-AU"/>
           </a:p>
@@ -861,7 +864,7 @@
           <a:p>
             <a:fld id="{3E244392-4831-4AE8-B9A0-B24F4427A277}" type="datetimeFigureOut">
               <a:rPr lang="en-AU" smtClean="0"/>
-              <a:t>10/10/2017</a:t>
+              <a:t>19/10/2017</a:t>
             </a:fld>
             <a:endParaRPr lang="en-AU"/>
           </a:p>
@@ -1031,7 +1034,7 @@
           <a:p>
             <a:fld id="{3E244392-4831-4AE8-B9A0-B24F4427A277}" type="datetimeFigureOut">
               <a:rPr lang="en-AU" smtClean="0"/>
-              <a:t>10/10/2017</a:t>
+              <a:t>19/10/2017</a:t>
             </a:fld>
             <a:endParaRPr lang="en-AU"/>
           </a:p>
@@ -1211,7 +1214,7 @@
           <a:p>
             <a:fld id="{3E244392-4831-4AE8-B9A0-B24F4427A277}" type="datetimeFigureOut">
               <a:rPr lang="en-AU" smtClean="0"/>
-              <a:t>10/10/2017</a:t>
+              <a:t>19/10/2017</a:t>
             </a:fld>
             <a:endParaRPr lang="en-AU"/>
           </a:p>
@@ -1381,7 +1384,7 @@
           <a:p>
             <a:fld id="{3E244392-4831-4AE8-B9A0-B24F4427A277}" type="datetimeFigureOut">
               <a:rPr lang="en-AU" smtClean="0"/>
-              <a:t>10/10/2017</a:t>
+              <a:t>19/10/2017</a:t>
             </a:fld>
             <a:endParaRPr lang="en-AU"/>
           </a:p>
@@ -1627,7 +1630,7 @@
           <a:p>
             <a:fld id="{3E244392-4831-4AE8-B9A0-B24F4427A277}" type="datetimeFigureOut">
               <a:rPr lang="en-AU" smtClean="0"/>
-              <a:t>10/10/2017</a:t>
+              <a:t>19/10/2017</a:t>
             </a:fld>
             <a:endParaRPr lang="en-AU"/>
           </a:p>
@@ -1915,7 +1918,7 @@
           <a:p>
             <a:fld id="{3E244392-4831-4AE8-B9A0-B24F4427A277}" type="datetimeFigureOut">
               <a:rPr lang="en-AU" smtClean="0"/>
-              <a:t>10/10/2017</a:t>
+              <a:t>19/10/2017</a:t>
             </a:fld>
             <a:endParaRPr lang="en-AU"/>
           </a:p>
@@ -2337,7 +2340,7 @@
           <a:p>
             <a:fld id="{3E244392-4831-4AE8-B9A0-B24F4427A277}" type="datetimeFigureOut">
               <a:rPr lang="en-AU" smtClean="0"/>
-              <a:t>10/10/2017</a:t>
+              <a:t>19/10/2017</a:t>
             </a:fld>
             <a:endParaRPr lang="en-AU"/>
           </a:p>
@@ -2455,7 +2458,7 @@
           <a:p>
             <a:fld id="{3E244392-4831-4AE8-B9A0-B24F4427A277}" type="datetimeFigureOut">
               <a:rPr lang="en-AU" smtClean="0"/>
-              <a:t>10/10/2017</a:t>
+              <a:t>19/10/2017</a:t>
             </a:fld>
             <a:endParaRPr lang="en-AU"/>
           </a:p>
@@ -2550,7 +2553,7 @@
           <a:p>
             <a:fld id="{3E244392-4831-4AE8-B9A0-B24F4427A277}" type="datetimeFigureOut">
               <a:rPr lang="en-AU" smtClean="0"/>
-              <a:t>10/10/2017</a:t>
+              <a:t>19/10/2017</a:t>
             </a:fld>
             <a:endParaRPr lang="en-AU"/>
           </a:p>
@@ -2827,7 +2830,7 @@
           <a:p>
             <a:fld id="{3E244392-4831-4AE8-B9A0-B24F4427A277}" type="datetimeFigureOut">
               <a:rPr lang="en-AU" smtClean="0"/>
-              <a:t>10/10/2017</a:t>
+              <a:t>19/10/2017</a:t>
             </a:fld>
             <a:endParaRPr lang="en-AU"/>
           </a:p>
@@ -3080,7 +3083,7 @@
           <a:p>
             <a:fld id="{3E244392-4831-4AE8-B9A0-B24F4427A277}" type="datetimeFigureOut">
               <a:rPr lang="en-AU" smtClean="0"/>
-              <a:t>10/10/2017</a:t>
+              <a:t>19/10/2017</a:t>
             </a:fld>
             <a:endParaRPr lang="en-AU"/>
           </a:p>
@@ -3293,7 +3296,7 @@
           <a:p>
             <a:fld id="{3E244392-4831-4AE8-B9A0-B24F4427A277}" type="datetimeFigureOut">
               <a:rPr lang="en-AU" smtClean="0"/>
-              <a:t>10/10/2017</a:t>
+              <a:t>19/10/2017</a:t>
             </a:fld>
             <a:endParaRPr lang="en-AU"/>
           </a:p>
@@ -3761,11 +3764,7 @@
           <a:p>
             <a:r>
               <a:rPr lang="en-AU" dirty="0" smtClean="0"/>
-              <a:t>Video </a:t>
-            </a:r>
-            <a:r>
-              <a:rPr lang="en-AU" dirty="0" smtClean="0"/>
-              <a:t>Devices</a:t>
+              <a:t>Video Devices</a:t>
             </a:r>
             <a:endParaRPr lang="en-AU" dirty="0"/>
           </a:p>
@@ -3813,11 +3812,7 @@
           <a:p>
             <a:r>
               <a:rPr lang="en-AU" dirty="0" smtClean="0"/>
-              <a:t>If </a:t>
-            </a:r>
-            <a:r>
-              <a:rPr lang="en-AU" dirty="0" smtClean="0"/>
-              <a:t>the user disallows the Chrome plugin access, then the program will go on as normal.</a:t>
+              <a:t>If the user disallows the Chrome plugin access, then the program will go on as normal.</a:t>
             </a:r>
           </a:p>
           <a:p>
@@ -4410,7 +4405,6 @@
               <a:rPr lang="en-AU" dirty="0" smtClean="0"/>
               <a:t>Add a cap on the amount of characters allowed for Student ID / check if the ID is correct.</a:t>
             </a:r>
-            <a:endParaRPr lang="en-AU" dirty="0" smtClean="0"/>
           </a:p>
         </p:txBody>
       </p:sp>
@@ -4575,19 +4569,18 @@
           <a:p>
             <a:r>
               <a:rPr lang="en-AU" dirty="0" smtClean="0"/>
-              <a:t>Step4 is enabled, and has no spacing between the word ‘Step’ and ‘4’.</a:t>
-            </a:r>
-          </a:p>
-          <a:p>
+              <a:t>‘Step4’ </a:t>
+            </a:r>
             <a:r>
               <a:rPr lang="en-AU" dirty="0" smtClean="0"/>
-              <a:t>Gray out ‘Step4’, and add space between </a:t>
-            </a:r>
-            <a:r>
-              <a:rPr lang="en-AU" smtClean="0"/>
-              <a:t>‘Step’ and ‘4’.</a:t>
-            </a:r>
-            <a:endParaRPr lang="en-AU" dirty="0" smtClean="0"/>
+              <a:t>is enabled, and has no spacing between the word ‘Step’ and ‘4’.</a:t>
+            </a:r>
+          </a:p>
+          <a:p>
+            <a:r>
+              <a:rPr lang="en-AU" dirty="0" smtClean="0"/>
+              <a:t>Gray out ‘Step4’, and add space between ‘Step’ and ‘4’.</a:t>
+            </a:r>
           </a:p>
         </p:txBody>
       </p:sp>
@@ -4661,6 +4654,517 @@
     <p:extLst>
       <p:ext uri="{BB962C8B-B14F-4D97-AF65-F5344CB8AC3E}">
         <p14:creationId xmlns:p14="http://schemas.microsoft.com/office/powerpoint/2010/main" val="163457082"/>
+      </p:ext>
+    </p:extLst>
+  </p:cSld>
+  <p:clrMapOvr>
+    <a:masterClrMapping/>
+  </p:clrMapOvr>
+</p:sld>
+</file>
+
+<file path=ppt/slides/slide7.xml><?xml version="1.0" encoding="utf-8"?>
+<p:sld xmlns:a="http://schemas.openxmlformats.org/drawingml/2006/main" xmlns:r="http://schemas.openxmlformats.org/officeDocument/2006/relationships" xmlns:p="http://schemas.openxmlformats.org/presentationml/2006/main">
+  <p:cSld>
+    <p:spTree>
+      <p:nvGrpSpPr>
+        <p:cNvPr id="1" name=""/>
+        <p:cNvGrpSpPr/>
+        <p:nvPr/>
+      </p:nvGrpSpPr>
+      <p:grpSpPr>
+        <a:xfrm>
+          <a:off x="0" y="0"/>
+          <a:ext cx="0" cy="0"/>
+          <a:chOff x="0" y="0"/>
+          <a:chExt cx="0" cy="0"/>
+        </a:xfrm>
+      </p:grpSpPr>
+      <p:sp>
+        <p:nvSpPr>
+          <p:cNvPr id="2" name="Title 1"/>
+          <p:cNvSpPr>
+            <a:spLocks noGrp="1"/>
+          </p:cNvSpPr>
+          <p:nvPr>
+            <p:ph type="title"/>
+          </p:nvPr>
+        </p:nvSpPr>
+        <p:spPr/>
+        <p:txBody>
+          <a:bodyPr/>
+          <a:lstStyle/>
+          <a:p>
+            <a:r>
+              <a:rPr lang="en-AU" dirty="0" smtClean="0"/>
+              <a:t>Input Field Clipping Issue</a:t>
+            </a:r>
+            <a:endParaRPr lang="en-AU" dirty="0"/>
+          </a:p>
+        </p:txBody>
+      </p:sp>
+      <p:sp>
+        <p:nvSpPr>
+          <p:cNvPr id="3" name="Text Placeholder 2"/>
+          <p:cNvSpPr>
+            <a:spLocks noGrp="1"/>
+          </p:cNvSpPr>
+          <p:nvPr>
+            <p:ph type="body" idx="1"/>
+          </p:nvPr>
+        </p:nvSpPr>
+        <p:spPr/>
+        <p:txBody>
+          <a:bodyPr/>
+          <a:lstStyle/>
+          <a:p>
+            <a:r>
+              <a:rPr lang="en-AU" dirty="0" smtClean="0"/>
+              <a:t>Issue/Fix</a:t>
+            </a:r>
+            <a:endParaRPr lang="en-AU" dirty="0"/>
+          </a:p>
+        </p:txBody>
+      </p:sp>
+      <p:sp>
+        <p:nvSpPr>
+          <p:cNvPr id="4" name="Content Placeholder 3"/>
+          <p:cNvSpPr>
+            <a:spLocks noGrp="1"/>
+          </p:cNvSpPr>
+          <p:nvPr>
+            <p:ph sz="half" idx="2"/>
+          </p:nvPr>
+        </p:nvSpPr>
+        <p:spPr/>
+        <p:txBody>
+          <a:bodyPr>
+            <a:normAutofit/>
+          </a:bodyPr>
+          <a:lstStyle/>
+          <a:p>
+            <a:r>
+              <a:rPr lang="en-AU" dirty="0" smtClean="0"/>
+              <a:t>The input field covers the ‘Video Devices’ text when selected.</a:t>
+            </a:r>
+          </a:p>
+          <a:p>
+            <a:r>
+              <a:rPr lang="en-AU" dirty="0" smtClean="0"/>
+              <a:t>Add more spacing in between fields.</a:t>
+            </a:r>
+            <a:endParaRPr lang="en-AU" dirty="0" smtClean="0"/>
+          </a:p>
+        </p:txBody>
+      </p:sp>
+      <p:sp>
+        <p:nvSpPr>
+          <p:cNvPr id="5" name="Text Placeholder 4"/>
+          <p:cNvSpPr>
+            <a:spLocks noGrp="1"/>
+          </p:cNvSpPr>
+          <p:nvPr>
+            <p:ph type="body" sz="quarter" idx="3"/>
+          </p:nvPr>
+        </p:nvSpPr>
+        <p:spPr/>
+        <p:txBody>
+          <a:bodyPr/>
+          <a:lstStyle/>
+          <a:p>
+            <a:r>
+              <a:rPr lang="en-AU" dirty="0" smtClean="0"/>
+              <a:t>Screenshot</a:t>
+            </a:r>
+            <a:endParaRPr lang="en-AU" dirty="0"/>
+          </a:p>
+        </p:txBody>
+      </p:sp>
+      <p:pic>
+        <p:nvPicPr>
+          <p:cNvPr id="1026" name="Picture 2"/>
+          <p:cNvPicPr>
+            <a:picLocks noGrp="1" noChangeAspect="1" noChangeArrowheads="1"/>
+          </p:cNvPicPr>
+          <p:nvPr>
+            <p:ph sz="quarter" idx="4"/>
+          </p:nvPr>
+        </p:nvPicPr>
+        <p:blipFill>
+          <a:blip r:embed="rId2">
+            <a:extLst>
+              <a:ext uri="{28A0092B-C50C-407E-A947-70E740481C1C}">
+                <a14:useLocalDpi xmlns:a14="http://schemas.microsoft.com/office/drawing/2010/main" val="0"/>
+              </a:ext>
+            </a:extLst>
+          </a:blip>
+          <a:srcRect/>
+          <a:stretch>
+            <a:fillRect/>
+          </a:stretch>
+        </p:blipFill>
+        <p:spPr bwMode="auto">
+          <a:xfrm>
+            <a:off x="4841620" y="2497846"/>
+            <a:ext cx="3648584" cy="1228896"/>
+          </a:xfrm>
+          <a:prstGeom prst="rect">
+            <a:avLst/>
+          </a:prstGeom>
+          <a:noFill/>
+          <a:ln>
+            <a:noFill/>
+          </a:ln>
+          <a:effectLst/>
+          <a:extLst>
+            <a:ext uri="{909E8E84-426E-40DD-AFC4-6F175D3DCCD1}">
+              <a14:hiddenFill xmlns:a14="http://schemas.microsoft.com/office/drawing/2010/main">
+                <a:solidFill>
+                  <a:schemeClr val="accent1"/>
+                </a:solidFill>
+              </a14:hiddenFill>
+            </a:ext>
+            <a:ext uri="{91240B29-F687-4F45-9708-019B960494DF}">
+              <a14:hiddenLine xmlns:a14="http://schemas.microsoft.com/office/drawing/2010/main" w="9525">
+                <a:solidFill>
+                  <a:schemeClr val="tx1"/>
+                </a:solidFill>
+                <a:miter lim="800000"/>
+                <a:headEnd/>
+                <a:tailEnd/>
+              </a14:hiddenLine>
+            </a:ext>
+            <a:ext uri="{AF507438-7753-43E0-B8FC-AC1667EBCBE1}">
+              <a14:hiddenEffects xmlns:a14="http://schemas.microsoft.com/office/drawing/2010/main">
+                <a:effectLst>
+                  <a:outerShdw dist="35921" dir="2700000" algn="ctr" rotWithShape="0">
+                    <a:schemeClr val="bg2"/>
+                  </a:outerShdw>
+                </a:effectLst>
+              </a14:hiddenEffects>
+            </a:ext>
+          </a:extLst>
+        </p:spPr>
+      </p:pic>
+    </p:spTree>
+    <p:extLst>
+      <p:ext uri="{BB962C8B-B14F-4D97-AF65-F5344CB8AC3E}">
+        <p14:creationId xmlns:p14="http://schemas.microsoft.com/office/powerpoint/2010/main" val="2842967068"/>
+      </p:ext>
+    </p:extLst>
+  </p:cSld>
+  <p:clrMapOvr>
+    <a:masterClrMapping/>
+  </p:clrMapOvr>
+</p:sld>
+</file>
+
+<file path=ppt/slides/slide8.xml><?xml version="1.0" encoding="utf-8"?>
+<p:sld xmlns:a="http://schemas.openxmlformats.org/drawingml/2006/main" xmlns:r="http://schemas.openxmlformats.org/officeDocument/2006/relationships" xmlns:p="http://schemas.openxmlformats.org/presentationml/2006/main">
+  <p:cSld>
+    <p:spTree>
+      <p:nvGrpSpPr>
+        <p:cNvPr id="1" name=""/>
+        <p:cNvGrpSpPr/>
+        <p:nvPr/>
+      </p:nvGrpSpPr>
+      <p:grpSpPr>
+        <a:xfrm>
+          <a:off x="0" y="0"/>
+          <a:ext cx="0" cy="0"/>
+          <a:chOff x="0" y="0"/>
+          <a:chExt cx="0" cy="0"/>
+        </a:xfrm>
+      </p:grpSpPr>
+      <p:sp>
+        <p:nvSpPr>
+          <p:cNvPr id="2" name="Title 1"/>
+          <p:cNvSpPr>
+            <a:spLocks noGrp="1"/>
+          </p:cNvSpPr>
+          <p:nvPr>
+            <p:ph type="title"/>
+          </p:nvPr>
+        </p:nvSpPr>
+        <p:spPr/>
+        <p:txBody>
+          <a:bodyPr/>
+          <a:lstStyle/>
+          <a:p>
+            <a:r>
+              <a:rPr lang="en-AU" dirty="0" smtClean="0"/>
+              <a:t>Recording Display</a:t>
+            </a:r>
+            <a:endParaRPr lang="en-AU" dirty="0"/>
+          </a:p>
+        </p:txBody>
+      </p:sp>
+      <p:sp>
+        <p:nvSpPr>
+          <p:cNvPr id="3" name="Text Placeholder 2"/>
+          <p:cNvSpPr>
+            <a:spLocks noGrp="1"/>
+          </p:cNvSpPr>
+          <p:nvPr>
+            <p:ph type="body" idx="1"/>
+          </p:nvPr>
+        </p:nvSpPr>
+        <p:spPr/>
+        <p:txBody>
+          <a:bodyPr/>
+          <a:lstStyle/>
+          <a:p>
+            <a:r>
+              <a:rPr lang="en-AU" dirty="0" smtClean="0"/>
+              <a:t>Issue/Fix</a:t>
+            </a:r>
+            <a:endParaRPr lang="en-AU" dirty="0"/>
+          </a:p>
+        </p:txBody>
+      </p:sp>
+      <p:sp>
+        <p:nvSpPr>
+          <p:cNvPr id="4" name="Content Placeholder 3"/>
+          <p:cNvSpPr>
+            <a:spLocks noGrp="1"/>
+          </p:cNvSpPr>
+          <p:nvPr>
+            <p:ph sz="half" idx="2"/>
+          </p:nvPr>
+        </p:nvSpPr>
+        <p:spPr/>
+        <p:txBody>
+          <a:bodyPr>
+            <a:normAutofit/>
+          </a:bodyPr>
+          <a:lstStyle/>
+          <a:p>
+            <a:r>
+              <a:rPr lang="en-AU" dirty="0" smtClean="0"/>
+              <a:t>The student is allowed </a:t>
+            </a:r>
+            <a:r>
+              <a:rPr lang="en-AU" smtClean="0"/>
+              <a:t>to view the </a:t>
+            </a:r>
+            <a:r>
+              <a:rPr lang="en-AU" dirty="0" smtClean="0"/>
+              <a:t>face recognition modules.</a:t>
+            </a:r>
+          </a:p>
+          <a:p>
+            <a:r>
+              <a:rPr lang="en-AU" dirty="0" smtClean="0"/>
+              <a:t>Disable it completely. Just add the timer and confirm to the student that the proctoring is working.</a:t>
+            </a:r>
+            <a:endParaRPr lang="en-AU" dirty="0" smtClean="0"/>
+          </a:p>
+        </p:txBody>
+      </p:sp>
+      <p:sp>
+        <p:nvSpPr>
+          <p:cNvPr id="5" name="Text Placeholder 4"/>
+          <p:cNvSpPr>
+            <a:spLocks noGrp="1"/>
+          </p:cNvSpPr>
+          <p:nvPr>
+            <p:ph type="body" sz="quarter" idx="3"/>
+          </p:nvPr>
+        </p:nvSpPr>
+        <p:spPr/>
+        <p:txBody>
+          <a:bodyPr/>
+          <a:lstStyle/>
+          <a:p>
+            <a:r>
+              <a:rPr lang="en-AU" dirty="0" smtClean="0"/>
+              <a:t>Screenshot</a:t>
+            </a:r>
+            <a:endParaRPr lang="en-AU" dirty="0"/>
+          </a:p>
+        </p:txBody>
+      </p:sp>
+      <p:pic>
+        <p:nvPicPr>
+          <p:cNvPr id="2050" name="Picture 2"/>
+          <p:cNvPicPr>
+            <a:picLocks noGrp="1" noChangeAspect="1" noChangeArrowheads="1"/>
+          </p:cNvPicPr>
+          <p:nvPr>
+            <p:ph sz="quarter" idx="4"/>
+          </p:nvPr>
+        </p:nvPicPr>
+        <p:blipFill>
+          <a:blip r:embed="rId2">
+            <a:extLst>
+              <a:ext uri="{28A0092B-C50C-407E-A947-70E740481C1C}">
+                <a14:useLocalDpi xmlns:a14="http://schemas.microsoft.com/office/drawing/2010/main" val="0"/>
+              </a:ext>
+            </a:extLst>
+          </a:blip>
+          <a:srcRect/>
+          <a:stretch>
+            <a:fillRect/>
+          </a:stretch>
+        </p:blipFill>
+        <p:spPr bwMode="auto">
+          <a:xfrm>
+            <a:off x="4645025" y="1960727"/>
+            <a:ext cx="4041775" cy="2303134"/>
+          </a:xfrm>
+          <a:prstGeom prst="rect">
+            <a:avLst/>
+          </a:prstGeom>
+          <a:noFill/>
+          <a:ln>
+            <a:noFill/>
+          </a:ln>
+          <a:effectLst/>
+          <a:extLst>
+            <a:ext uri="{909E8E84-426E-40DD-AFC4-6F175D3DCCD1}">
+              <a14:hiddenFill xmlns:a14="http://schemas.microsoft.com/office/drawing/2010/main">
+                <a:solidFill>
+                  <a:schemeClr val="accent1"/>
+                </a:solidFill>
+              </a14:hiddenFill>
+            </a:ext>
+            <a:ext uri="{91240B29-F687-4F45-9708-019B960494DF}">
+              <a14:hiddenLine xmlns:a14="http://schemas.microsoft.com/office/drawing/2010/main" w="9525">
+                <a:solidFill>
+                  <a:schemeClr val="tx1"/>
+                </a:solidFill>
+                <a:miter lim="800000"/>
+                <a:headEnd/>
+                <a:tailEnd/>
+              </a14:hiddenLine>
+            </a:ext>
+            <a:ext uri="{AF507438-7753-43E0-B8FC-AC1667EBCBE1}">
+              <a14:hiddenEffects xmlns:a14="http://schemas.microsoft.com/office/drawing/2010/main">
+                <a:effectLst>
+                  <a:outerShdw dist="35921" dir="2700000" algn="ctr" rotWithShape="0">
+                    <a:schemeClr val="bg2"/>
+                  </a:outerShdw>
+                </a:effectLst>
+              </a14:hiddenEffects>
+            </a:ext>
+          </a:extLst>
+        </p:spPr>
+      </p:pic>
+    </p:spTree>
+    <p:extLst>
+      <p:ext uri="{BB962C8B-B14F-4D97-AF65-F5344CB8AC3E}">
+        <p14:creationId xmlns:p14="http://schemas.microsoft.com/office/powerpoint/2010/main" val="2478248559"/>
+      </p:ext>
+    </p:extLst>
+  </p:cSld>
+  <p:clrMapOvr>
+    <a:masterClrMapping/>
+  </p:clrMapOvr>
+</p:sld>
+</file>
+
+<file path=ppt/slides/slide9.xml><?xml version="1.0" encoding="utf-8"?>
+<p:sld xmlns:a="http://schemas.openxmlformats.org/drawingml/2006/main" xmlns:r="http://schemas.openxmlformats.org/officeDocument/2006/relationships" xmlns:p="http://schemas.openxmlformats.org/presentationml/2006/main">
+  <p:cSld>
+    <p:spTree>
+      <p:nvGrpSpPr>
+        <p:cNvPr id="1" name=""/>
+        <p:cNvGrpSpPr/>
+        <p:nvPr/>
+      </p:nvGrpSpPr>
+      <p:grpSpPr>
+        <a:xfrm>
+          <a:off x="0" y="0"/>
+          <a:ext cx="0" cy="0"/>
+          <a:chOff x="0" y="0"/>
+          <a:chExt cx="0" cy="0"/>
+        </a:xfrm>
+      </p:grpSpPr>
+      <p:sp>
+        <p:nvSpPr>
+          <p:cNvPr id="2" name="Title 1"/>
+          <p:cNvSpPr>
+            <a:spLocks noGrp="1"/>
+          </p:cNvSpPr>
+          <p:nvPr>
+            <p:ph type="title"/>
+          </p:nvPr>
+        </p:nvSpPr>
+        <p:spPr/>
+        <p:txBody>
+          <a:bodyPr>
+            <a:normAutofit/>
+          </a:bodyPr>
+          <a:lstStyle/>
+          <a:p>
+            <a:r>
+              <a:rPr lang="en-AU" dirty="0" smtClean="0"/>
+              <a:t>Timing of Proctoring Popup</a:t>
+            </a:r>
+            <a:endParaRPr lang="en-AU" dirty="0"/>
+          </a:p>
+        </p:txBody>
+      </p:sp>
+      <p:sp>
+        <p:nvSpPr>
+          <p:cNvPr id="3" name="Text Placeholder 2"/>
+          <p:cNvSpPr>
+            <a:spLocks noGrp="1"/>
+          </p:cNvSpPr>
+          <p:nvPr>
+            <p:ph type="body" idx="1"/>
+          </p:nvPr>
+        </p:nvSpPr>
+        <p:spPr/>
+        <p:txBody>
+          <a:bodyPr/>
+          <a:lstStyle/>
+          <a:p>
+            <a:r>
+              <a:rPr lang="en-AU" dirty="0" smtClean="0"/>
+              <a:t>Issue/Fix</a:t>
+            </a:r>
+            <a:endParaRPr lang="en-AU" dirty="0"/>
+          </a:p>
+        </p:txBody>
+      </p:sp>
+      <p:sp>
+        <p:nvSpPr>
+          <p:cNvPr id="4" name="Content Placeholder 3"/>
+          <p:cNvSpPr>
+            <a:spLocks noGrp="1"/>
+          </p:cNvSpPr>
+          <p:nvPr>
+            <p:ph sz="half" idx="2"/>
+          </p:nvPr>
+        </p:nvSpPr>
+        <p:spPr>
+          <a:xfrm>
+            <a:off x="457200" y="1631156"/>
+            <a:ext cx="8075240" cy="2963466"/>
+          </a:xfrm>
+        </p:spPr>
+        <p:txBody>
+          <a:bodyPr/>
+          <a:lstStyle/>
+          <a:p>
+            <a:r>
+              <a:rPr lang="en-AU" dirty="0" smtClean="0"/>
+              <a:t>The Proctoring plugin popped up during an unrelated Curtin Quiz I undertook.</a:t>
+            </a:r>
+          </a:p>
+          <a:p>
+            <a:r>
+              <a:rPr lang="en-AU" dirty="0" smtClean="0"/>
+              <a:t>The Proctoring Plugin Popup needs to be optimised to pop up at the right tests. Ensure it only works for the right tests.</a:t>
+            </a:r>
+          </a:p>
+        </p:txBody>
+      </p:sp>
+    </p:spTree>
+    <p:extLst>
+      <p:ext uri="{BB962C8B-B14F-4D97-AF65-F5344CB8AC3E}">
+        <p14:creationId xmlns:p14="http://schemas.microsoft.com/office/powerpoint/2010/main" val="1904817611"/>
       </p:ext>
     </p:extLst>
   </p:cSld>

--- a/proctoring/Proctoring Suggested Changes.pptx
+++ b/proctoring/Proctoring Suggested Changes.pptx
@@ -5,18 +5,20 @@
     <p:sldMasterId id="2147483816" r:id="rId1"/>
   </p:sldMasterIdLst>
   <p:notesMasterIdLst>
-    <p:notesMasterId r:id="rId11"/>
+    <p:notesMasterId r:id="rId13"/>
   </p:notesMasterIdLst>
   <p:sldIdLst>
     <p:sldId id="256" r:id="rId2"/>
     <p:sldId id="261" r:id="rId3"/>
-    <p:sldId id="257" r:id="rId4"/>
-    <p:sldId id="259" r:id="rId5"/>
-    <p:sldId id="262" r:id="rId6"/>
-    <p:sldId id="258" r:id="rId7"/>
-    <p:sldId id="264" r:id="rId8"/>
-    <p:sldId id="265" r:id="rId9"/>
-    <p:sldId id="263" r:id="rId10"/>
+    <p:sldId id="267" r:id="rId4"/>
+    <p:sldId id="257" r:id="rId5"/>
+    <p:sldId id="259" r:id="rId6"/>
+    <p:sldId id="262" r:id="rId7"/>
+    <p:sldId id="258" r:id="rId8"/>
+    <p:sldId id="266" r:id="rId9"/>
+    <p:sldId id="264" r:id="rId10"/>
+    <p:sldId id="265" r:id="rId11"/>
+    <p:sldId id="263" r:id="rId12"/>
   </p:sldIdLst>
   <p:sldSz cx="9144000" cy="5143500" type="screen16x9"/>
   <p:notesSz cx="6858000" cy="9144000"/>
@@ -115,6 +117,31 @@
       </a:defRPr>
     </a:lvl9pPr>
   </p:defaultTextStyle>
+  <p:extLst>
+    <p:ext uri="{521415D9-36F7-43E2-AB2F-B90AF26B5E84}">
+      <p14:sectionLst xmlns:p14="http://schemas.microsoft.com/office/powerpoint/2010/main">
+        <p14:section name="Default Section" id="{7B9AA675-28B3-476E-9CBA-3FC72CE6708B}">
+          <p14:sldIdLst>
+            <p14:sldId id="256"/>
+          </p14:sldIdLst>
+        </p14:section>
+        <p14:section name="Extension Popup Module" id="{5DE888EE-AAB7-4BAB-A548-F994D0B00860}">
+          <p14:sldIdLst>
+            <p14:sldId id="261"/>
+            <p14:sldId id="267"/>
+            <p14:sldId id="257"/>
+            <p14:sldId id="259"/>
+            <p14:sldId id="262"/>
+            <p14:sldId id="258"/>
+            <p14:sldId id="266"/>
+            <p14:sldId id="264"/>
+            <p14:sldId id="265"/>
+            <p14:sldId id="263"/>
+          </p14:sldIdLst>
+        </p14:section>
+      </p14:sectionLst>
+    </p:ext>
+  </p:extLst>
 </p:presentation>
 </file>
 
@@ -604,6 +631,98 @@
           <a:bodyPr/>
           <a:lstStyle/>
           <a:p>
+            <a:r>
+              <a:rPr lang="en-AU" dirty="0" smtClean="0"/>
+              <a:t>Critical issue, as I am not quite sure how to re-enable</a:t>
+            </a:r>
+            <a:r>
+              <a:rPr lang="en-AU" baseline="0" dirty="0" smtClean="0"/>
+              <a:t> it.</a:t>
+            </a:r>
+            <a:endParaRPr lang="en-AU" dirty="0"/>
+          </a:p>
+        </p:txBody>
+      </p:sp>
+      <p:sp>
+        <p:nvSpPr>
+          <p:cNvPr id="4" name="Slide Number Placeholder 3"/>
+          <p:cNvSpPr>
+            <a:spLocks noGrp="1"/>
+          </p:cNvSpPr>
+          <p:nvPr>
+            <p:ph type="sldNum" sz="quarter" idx="10"/>
+          </p:nvPr>
+        </p:nvSpPr>
+        <p:spPr/>
+        <p:txBody>
+          <a:bodyPr/>
+          <a:lstStyle/>
+          <a:p>
+            <a:fld id="{54ECEB73-A4F9-4F7A-867E-E1B1C8313477}" type="slidenum">
+              <a:rPr lang="en-AU" smtClean="0"/>
+              <a:t>3</a:t>
+            </a:fld>
+            <a:endParaRPr lang="en-AU"/>
+          </a:p>
+        </p:txBody>
+      </p:sp>
+    </p:spTree>
+    <p:extLst>
+      <p:ext uri="{BB962C8B-B14F-4D97-AF65-F5344CB8AC3E}">
+        <p14:creationId xmlns:p14="http://schemas.microsoft.com/office/powerpoint/2010/main" val="1126563733"/>
+      </p:ext>
+    </p:extLst>
+  </p:cSld>
+  <p:clrMapOvr>
+    <a:masterClrMapping/>
+  </p:clrMapOvr>
+</p:notes>
+</file>
+
+<file path=ppt/notesSlides/notesSlide3.xml><?xml version="1.0" encoding="utf-8"?>
+<p:notes xmlns:a="http://schemas.openxmlformats.org/drawingml/2006/main" xmlns:r="http://schemas.openxmlformats.org/officeDocument/2006/relationships" xmlns:p="http://schemas.openxmlformats.org/presentationml/2006/main">
+  <p:cSld>
+    <p:spTree>
+      <p:nvGrpSpPr>
+        <p:cNvPr id="1" name=""/>
+        <p:cNvGrpSpPr/>
+        <p:nvPr/>
+      </p:nvGrpSpPr>
+      <p:grpSpPr>
+        <a:xfrm>
+          <a:off x="0" y="0"/>
+          <a:ext cx="0" cy="0"/>
+          <a:chOff x="0" y="0"/>
+          <a:chExt cx="0" cy="0"/>
+        </a:xfrm>
+      </p:grpSpPr>
+      <p:sp>
+        <p:nvSpPr>
+          <p:cNvPr id="2" name="Slide Image Placeholder 1"/>
+          <p:cNvSpPr>
+            <a:spLocks noGrp="1" noRot="1" noChangeAspect="1"/>
+          </p:cNvSpPr>
+          <p:nvPr>
+            <p:ph type="sldImg"/>
+          </p:nvPr>
+        </p:nvSpPr>
+        <p:spPr/>
+      </p:sp>
+      <p:sp>
+        <p:nvSpPr>
+          <p:cNvPr id="3" name="Notes Placeholder 2"/>
+          <p:cNvSpPr>
+            <a:spLocks noGrp="1"/>
+          </p:cNvSpPr>
+          <p:nvPr>
+            <p:ph type="body" idx="1"/>
+          </p:nvPr>
+        </p:nvSpPr>
+        <p:spPr/>
+        <p:txBody>
+          <a:bodyPr/>
+          <a:lstStyle/>
+          <a:p>
             <a:pPr marL="0" indent="0">
               <a:buNone/>
             </a:pPr>
@@ -664,7 +783,7 @@
           <a:p>
             <a:fld id="{54ECEB73-A4F9-4F7A-867E-E1B1C8313477}" type="slidenum">
               <a:rPr lang="en-AU" smtClean="0"/>
-              <a:t>3</a:t>
+              <a:t>4</a:t>
             </a:fld>
             <a:endParaRPr lang="en-AU"/>
           </a:p>
@@ -3730,6 +3849,320 @@
 </p:sld>
 </file>
 
+<file path=ppt/slides/slide10.xml><?xml version="1.0" encoding="utf-8"?>
+<p:sld xmlns:a="http://schemas.openxmlformats.org/drawingml/2006/main" xmlns:r="http://schemas.openxmlformats.org/officeDocument/2006/relationships" xmlns:p="http://schemas.openxmlformats.org/presentationml/2006/main">
+  <p:cSld>
+    <p:spTree>
+      <p:nvGrpSpPr>
+        <p:cNvPr id="1" name=""/>
+        <p:cNvGrpSpPr/>
+        <p:nvPr/>
+      </p:nvGrpSpPr>
+      <p:grpSpPr>
+        <a:xfrm>
+          <a:off x="0" y="0"/>
+          <a:ext cx="0" cy="0"/>
+          <a:chOff x="0" y="0"/>
+          <a:chExt cx="0" cy="0"/>
+        </a:xfrm>
+      </p:grpSpPr>
+      <p:sp>
+        <p:nvSpPr>
+          <p:cNvPr id="2" name="Title 1"/>
+          <p:cNvSpPr>
+            <a:spLocks noGrp="1"/>
+          </p:cNvSpPr>
+          <p:nvPr>
+            <p:ph type="title"/>
+          </p:nvPr>
+        </p:nvSpPr>
+        <p:spPr/>
+        <p:txBody>
+          <a:bodyPr/>
+          <a:lstStyle/>
+          <a:p>
+            <a:r>
+              <a:rPr lang="en-AU" dirty="0" smtClean="0"/>
+              <a:t>Recording Display</a:t>
+            </a:r>
+            <a:endParaRPr lang="en-AU" dirty="0"/>
+          </a:p>
+        </p:txBody>
+      </p:sp>
+      <p:sp>
+        <p:nvSpPr>
+          <p:cNvPr id="3" name="Text Placeholder 2"/>
+          <p:cNvSpPr>
+            <a:spLocks noGrp="1"/>
+          </p:cNvSpPr>
+          <p:nvPr>
+            <p:ph type="body" idx="1"/>
+          </p:nvPr>
+        </p:nvSpPr>
+        <p:spPr/>
+        <p:txBody>
+          <a:bodyPr/>
+          <a:lstStyle/>
+          <a:p>
+            <a:r>
+              <a:rPr lang="en-AU" dirty="0" smtClean="0"/>
+              <a:t>Issue/Fix</a:t>
+            </a:r>
+            <a:endParaRPr lang="en-AU" dirty="0"/>
+          </a:p>
+        </p:txBody>
+      </p:sp>
+      <p:sp>
+        <p:nvSpPr>
+          <p:cNvPr id="4" name="Content Placeholder 3"/>
+          <p:cNvSpPr>
+            <a:spLocks noGrp="1"/>
+          </p:cNvSpPr>
+          <p:nvPr>
+            <p:ph sz="half" idx="2"/>
+          </p:nvPr>
+        </p:nvSpPr>
+        <p:spPr/>
+        <p:txBody>
+          <a:bodyPr>
+            <a:normAutofit/>
+          </a:bodyPr>
+          <a:lstStyle/>
+          <a:p>
+            <a:r>
+              <a:rPr lang="en-AU" dirty="0" smtClean="0"/>
+              <a:t>The student is allowed </a:t>
+            </a:r>
+            <a:r>
+              <a:rPr lang="en-AU" smtClean="0"/>
+              <a:t>to view the </a:t>
+            </a:r>
+            <a:r>
+              <a:rPr lang="en-AU" dirty="0" smtClean="0"/>
+              <a:t>face recognition modules.</a:t>
+            </a:r>
+          </a:p>
+          <a:p>
+            <a:r>
+              <a:rPr lang="en-AU" dirty="0" smtClean="0"/>
+              <a:t>Disable it completely. Just add the timer and confirm to the student that the proctoring is working.</a:t>
+            </a:r>
+          </a:p>
+        </p:txBody>
+      </p:sp>
+      <p:sp>
+        <p:nvSpPr>
+          <p:cNvPr id="5" name="Text Placeholder 4"/>
+          <p:cNvSpPr>
+            <a:spLocks noGrp="1"/>
+          </p:cNvSpPr>
+          <p:nvPr>
+            <p:ph type="body" sz="quarter" idx="3"/>
+          </p:nvPr>
+        </p:nvSpPr>
+        <p:spPr/>
+        <p:txBody>
+          <a:bodyPr/>
+          <a:lstStyle/>
+          <a:p>
+            <a:r>
+              <a:rPr lang="en-AU" dirty="0" smtClean="0"/>
+              <a:t>Screenshot</a:t>
+            </a:r>
+            <a:endParaRPr lang="en-AU" dirty="0"/>
+          </a:p>
+        </p:txBody>
+      </p:sp>
+      <p:pic>
+        <p:nvPicPr>
+          <p:cNvPr id="2050" name="Picture 2"/>
+          <p:cNvPicPr>
+            <a:picLocks noGrp="1" noChangeAspect="1" noChangeArrowheads="1"/>
+          </p:cNvPicPr>
+          <p:nvPr>
+            <p:ph sz="quarter" idx="4"/>
+          </p:nvPr>
+        </p:nvPicPr>
+        <p:blipFill>
+          <a:blip r:embed="rId2">
+            <a:extLst>
+              <a:ext uri="{28A0092B-C50C-407E-A947-70E740481C1C}">
+                <a14:useLocalDpi xmlns:a14="http://schemas.microsoft.com/office/drawing/2010/main" val="0"/>
+              </a:ext>
+            </a:extLst>
+          </a:blip>
+          <a:srcRect/>
+          <a:stretch>
+            <a:fillRect/>
+          </a:stretch>
+        </p:blipFill>
+        <p:spPr bwMode="auto">
+          <a:xfrm>
+            <a:off x="4645025" y="1960727"/>
+            <a:ext cx="4041775" cy="2303134"/>
+          </a:xfrm>
+          <a:prstGeom prst="rect">
+            <a:avLst/>
+          </a:prstGeom>
+          <a:noFill/>
+          <a:ln>
+            <a:noFill/>
+          </a:ln>
+          <a:effectLst/>
+          <a:extLst>
+            <a:ext uri="{909E8E84-426E-40DD-AFC4-6F175D3DCCD1}">
+              <a14:hiddenFill xmlns:a14="http://schemas.microsoft.com/office/drawing/2010/main">
+                <a:solidFill>
+                  <a:schemeClr val="accent1"/>
+                </a:solidFill>
+              </a14:hiddenFill>
+            </a:ext>
+            <a:ext uri="{91240B29-F687-4F45-9708-019B960494DF}">
+              <a14:hiddenLine xmlns:a14="http://schemas.microsoft.com/office/drawing/2010/main" w="9525">
+                <a:solidFill>
+                  <a:schemeClr val="tx1"/>
+                </a:solidFill>
+                <a:miter lim="800000"/>
+                <a:headEnd/>
+                <a:tailEnd/>
+              </a14:hiddenLine>
+            </a:ext>
+            <a:ext uri="{AF507438-7753-43E0-B8FC-AC1667EBCBE1}">
+              <a14:hiddenEffects xmlns:a14="http://schemas.microsoft.com/office/drawing/2010/main">
+                <a:effectLst>
+                  <a:outerShdw dist="35921" dir="2700000" algn="ctr" rotWithShape="0">
+                    <a:schemeClr val="bg2"/>
+                  </a:outerShdw>
+                </a:effectLst>
+              </a14:hiddenEffects>
+            </a:ext>
+          </a:extLst>
+        </p:spPr>
+      </p:pic>
+    </p:spTree>
+    <p:extLst>
+      <p:ext uri="{BB962C8B-B14F-4D97-AF65-F5344CB8AC3E}">
+        <p14:creationId xmlns:p14="http://schemas.microsoft.com/office/powerpoint/2010/main" val="2478248559"/>
+      </p:ext>
+    </p:extLst>
+  </p:cSld>
+  <p:clrMapOvr>
+    <a:masterClrMapping/>
+  </p:clrMapOvr>
+</p:sld>
+</file>
+
+<file path=ppt/slides/slide11.xml><?xml version="1.0" encoding="utf-8"?>
+<p:sld xmlns:a="http://schemas.openxmlformats.org/drawingml/2006/main" xmlns:r="http://schemas.openxmlformats.org/officeDocument/2006/relationships" xmlns:p="http://schemas.openxmlformats.org/presentationml/2006/main">
+  <p:cSld>
+    <p:spTree>
+      <p:nvGrpSpPr>
+        <p:cNvPr id="1" name=""/>
+        <p:cNvGrpSpPr/>
+        <p:nvPr/>
+      </p:nvGrpSpPr>
+      <p:grpSpPr>
+        <a:xfrm>
+          <a:off x="0" y="0"/>
+          <a:ext cx="0" cy="0"/>
+          <a:chOff x="0" y="0"/>
+          <a:chExt cx="0" cy="0"/>
+        </a:xfrm>
+      </p:grpSpPr>
+      <p:sp>
+        <p:nvSpPr>
+          <p:cNvPr id="2" name="Title 1"/>
+          <p:cNvSpPr>
+            <a:spLocks noGrp="1"/>
+          </p:cNvSpPr>
+          <p:nvPr>
+            <p:ph type="title"/>
+          </p:nvPr>
+        </p:nvSpPr>
+        <p:spPr/>
+        <p:txBody>
+          <a:bodyPr>
+            <a:normAutofit/>
+          </a:bodyPr>
+          <a:lstStyle/>
+          <a:p>
+            <a:r>
+              <a:rPr lang="en-AU" dirty="0" smtClean="0"/>
+              <a:t>Timing of Proctoring Popup</a:t>
+            </a:r>
+            <a:endParaRPr lang="en-AU" dirty="0"/>
+          </a:p>
+        </p:txBody>
+      </p:sp>
+      <p:sp>
+        <p:nvSpPr>
+          <p:cNvPr id="3" name="Text Placeholder 2"/>
+          <p:cNvSpPr>
+            <a:spLocks noGrp="1"/>
+          </p:cNvSpPr>
+          <p:nvPr>
+            <p:ph type="body" idx="1"/>
+          </p:nvPr>
+        </p:nvSpPr>
+        <p:spPr/>
+        <p:txBody>
+          <a:bodyPr/>
+          <a:lstStyle/>
+          <a:p>
+            <a:r>
+              <a:rPr lang="en-AU" dirty="0" smtClean="0"/>
+              <a:t>Issue/Fix</a:t>
+            </a:r>
+            <a:endParaRPr lang="en-AU" dirty="0"/>
+          </a:p>
+        </p:txBody>
+      </p:sp>
+      <p:sp>
+        <p:nvSpPr>
+          <p:cNvPr id="4" name="Content Placeholder 3"/>
+          <p:cNvSpPr>
+            <a:spLocks noGrp="1"/>
+          </p:cNvSpPr>
+          <p:nvPr>
+            <p:ph sz="half" idx="2"/>
+          </p:nvPr>
+        </p:nvSpPr>
+        <p:spPr>
+          <a:xfrm>
+            <a:off x="457200" y="1631156"/>
+            <a:ext cx="8075240" cy="2963466"/>
+          </a:xfrm>
+        </p:spPr>
+        <p:txBody>
+          <a:bodyPr/>
+          <a:lstStyle/>
+          <a:p>
+            <a:r>
+              <a:rPr lang="en-AU" dirty="0" smtClean="0"/>
+              <a:t>The Proctoring plugin popped up during an unrelated Curtin Quiz I undertook.</a:t>
+            </a:r>
+          </a:p>
+          <a:p>
+            <a:r>
+              <a:rPr lang="en-AU" dirty="0" smtClean="0"/>
+              <a:t>The Proctoring Plugin Popup needs to be optimised to pop up at the right tests. Ensure it only works for the right tests.</a:t>
+            </a:r>
+          </a:p>
+        </p:txBody>
+      </p:sp>
+    </p:spTree>
+    <p:extLst>
+      <p:ext uri="{BB962C8B-B14F-4D97-AF65-F5344CB8AC3E}">
+        <p14:creationId xmlns:p14="http://schemas.microsoft.com/office/powerpoint/2010/main" val="1904817611"/>
+      </p:ext>
+    </p:extLst>
+  </p:cSld>
+  <p:clrMapOvr>
+    <a:masterClrMapping/>
+  </p:clrMapOvr>
+</p:sld>
+</file>
+
 <file path=ppt/slides/slide2.xml><?xml version="1.0" encoding="utf-8"?>
 <p:sld xmlns:a="http://schemas.openxmlformats.org/drawingml/2006/main" xmlns:r="http://schemas.openxmlformats.org/officeDocument/2006/relationships" xmlns:p="http://schemas.openxmlformats.org/presentationml/2006/main">
   <p:cSld>
@@ -3947,6 +4380,200 @@
       </p:grpSpPr>
       <p:sp>
         <p:nvSpPr>
+          <p:cNvPr id="2" name="Title 1"/>
+          <p:cNvSpPr>
+            <a:spLocks noGrp="1"/>
+          </p:cNvSpPr>
+          <p:nvPr>
+            <p:ph type="title"/>
+          </p:nvPr>
+        </p:nvSpPr>
+        <p:spPr/>
+        <p:txBody>
+          <a:bodyPr/>
+          <a:lstStyle/>
+          <a:p>
+            <a:r>
+              <a:rPr lang="en-AU" dirty="0" smtClean="0"/>
+              <a:t>Screen Recording</a:t>
+            </a:r>
+            <a:endParaRPr lang="en-AU" dirty="0"/>
+          </a:p>
+        </p:txBody>
+      </p:sp>
+      <p:sp>
+        <p:nvSpPr>
+          <p:cNvPr id="3" name="Text Placeholder 2"/>
+          <p:cNvSpPr>
+            <a:spLocks noGrp="1"/>
+          </p:cNvSpPr>
+          <p:nvPr>
+            <p:ph type="body" idx="1"/>
+          </p:nvPr>
+        </p:nvSpPr>
+        <p:spPr/>
+        <p:txBody>
+          <a:bodyPr/>
+          <a:lstStyle/>
+          <a:p>
+            <a:r>
+              <a:rPr lang="en-AU" dirty="0" smtClean="0"/>
+              <a:t>Issue/Fix</a:t>
+            </a:r>
+            <a:endParaRPr lang="en-AU" dirty="0"/>
+          </a:p>
+        </p:txBody>
+      </p:sp>
+      <p:sp>
+        <p:nvSpPr>
+          <p:cNvPr id="4" name="Content Placeholder 3"/>
+          <p:cNvSpPr>
+            <a:spLocks noGrp="1"/>
+          </p:cNvSpPr>
+          <p:nvPr>
+            <p:ph sz="half" idx="2"/>
+          </p:nvPr>
+        </p:nvSpPr>
+        <p:spPr/>
+        <p:txBody>
+          <a:bodyPr>
+            <a:normAutofit/>
+          </a:bodyPr>
+          <a:lstStyle/>
+          <a:p>
+            <a:r>
+              <a:rPr lang="en-AU" smtClean="0"/>
+              <a:t>Similarly </a:t>
+            </a:r>
+            <a:r>
+              <a:rPr lang="en-AU" dirty="0" smtClean="0"/>
+              <a:t>to the screen recording,.</a:t>
+            </a:r>
+            <a:endParaRPr lang="en-AU" dirty="0" smtClean="0"/>
+          </a:p>
+        </p:txBody>
+      </p:sp>
+      <p:sp>
+        <p:nvSpPr>
+          <p:cNvPr id="5" name="Text Placeholder 4"/>
+          <p:cNvSpPr>
+            <a:spLocks noGrp="1"/>
+          </p:cNvSpPr>
+          <p:nvPr>
+            <p:ph type="body" sz="quarter" idx="3"/>
+          </p:nvPr>
+        </p:nvSpPr>
+        <p:spPr/>
+        <p:txBody>
+          <a:bodyPr/>
+          <a:lstStyle/>
+          <a:p>
+            <a:r>
+              <a:rPr lang="en-AU" dirty="0" smtClean="0"/>
+              <a:t>Screenshot</a:t>
+            </a:r>
+            <a:endParaRPr lang="en-AU" dirty="0"/>
+          </a:p>
+        </p:txBody>
+      </p:sp>
+      <p:pic>
+        <p:nvPicPr>
+          <p:cNvPr id="3074" name="Picture 2"/>
+          <p:cNvPicPr>
+            <a:picLocks noGrp="1" noChangeAspect="1" noChangeArrowheads="1"/>
+          </p:cNvPicPr>
+          <p:nvPr>
+            <p:ph sz="quarter" idx="4"/>
+          </p:nvPr>
+        </p:nvPicPr>
+        <p:blipFill>
+          <a:blip r:embed="rId3">
+            <a:extLst>
+              <a:ext uri="{28A0092B-C50C-407E-A947-70E740481C1C}">
+                <a14:useLocalDpi xmlns:a14="http://schemas.microsoft.com/office/drawing/2010/main" val="0"/>
+              </a:ext>
+            </a:extLst>
+          </a:blip>
+          <a:srcRect/>
+          <a:stretch>
+            <a:fillRect/>
+          </a:stretch>
+        </p:blipFill>
+        <p:spPr bwMode="auto">
+          <a:xfrm>
+            <a:off x="4951173" y="2616925"/>
+            <a:ext cx="3429479" cy="990738"/>
+          </a:xfrm>
+          <a:prstGeom prst="rect">
+            <a:avLst/>
+          </a:prstGeom>
+          <a:noFill/>
+          <a:ln>
+            <a:noFill/>
+          </a:ln>
+          <a:effectLst/>
+          <a:extLst>
+            <a:ext uri="{909E8E84-426E-40DD-AFC4-6F175D3DCCD1}">
+              <a14:hiddenFill xmlns:a14="http://schemas.microsoft.com/office/drawing/2010/main">
+                <a:solidFill>
+                  <a:schemeClr val="accent1"/>
+                </a:solidFill>
+              </a14:hiddenFill>
+            </a:ext>
+            <a:ext uri="{91240B29-F687-4F45-9708-019B960494DF}">
+              <a14:hiddenLine xmlns:a14="http://schemas.microsoft.com/office/drawing/2010/main" w="9525">
+                <a:solidFill>
+                  <a:schemeClr val="tx1"/>
+                </a:solidFill>
+                <a:miter lim="800000"/>
+                <a:headEnd/>
+                <a:tailEnd/>
+              </a14:hiddenLine>
+            </a:ext>
+            <a:ext uri="{AF507438-7753-43E0-B8FC-AC1667EBCBE1}">
+              <a14:hiddenEffects xmlns:a14="http://schemas.microsoft.com/office/drawing/2010/main">
+                <a:effectLst>
+                  <a:outerShdw dist="35921" dir="2700000" algn="ctr" rotWithShape="0">
+                    <a:schemeClr val="bg2"/>
+                  </a:outerShdw>
+                </a:effectLst>
+              </a14:hiddenEffects>
+            </a:ext>
+          </a:extLst>
+        </p:spPr>
+      </p:pic>
+    </p:spTree>
+    <p:extLst>
+      <p:ext uri="{BB962C8B-B14F-4D97-AF65-F5344CB8AC3E}">
+        <p14:creationId xmlns:p14="http://schemas.microsoft.com/office/powerpoint/2010/main" val="1525251418"/>
+      </p:ext>
+    </p:extLst>
+  </p:cSld>
+  <p:clrMapOvr>
+    <a:masterClrMapping/>
+  </p:clrMapOvr>
+</p:sld>
+</file>
+
+<file path=ppt/slides/slide4.xml><?xml version="1.0" encoding="utf-8"?>
+<p:sld xmlns:a="http://schemas.openxmlformats.org/drawingml/2006/main" xmlns:r="http://schemas.openxmlformats.org/officeDocument/2006/relationships" xmlns:p="http://schemas.openxmlformats.org/presentationml/2006/main">
+  <p:cSld>
+    <p:spTree>
+      <p:nvGrpSpPr>
+        <p:cNvPr id="1" name=""/>
+        <p:cNvGrpSpPr/>
+        <p:nvPr/>
+      </p:nvGrpSpPr>
+      <p:grpSpPr>
+        <a:xfrm>
+          <a:off x="0" y="0"/>
+          <a:ext cx="0" cy="0"/>
+          <a:chOff x="0" y="0"/>
+          <a:chExt cx="0" cy="0"/>
+        </a:xfrm>
+      </p:grpSpPr>
+      <p:sp>
+        <p:nvSpPr>
           <p:cNvPr id="7" name="Title 6"/>
           <p:cNvSpPr>
             <a:spLocks noGrp="1"/>
@@ -4130,7 +4757,7 @@
 </p:sld>
 </file>
 
-<file path=ppt/slides/slide4.xml><?xml version="1.0" encoding="utf-8"?>
+<file path=ppt/slides/slide5.xml><?xml version="1.0" encoding="utf-8"?>
 <p:sld xmlns:a="http://schemas.openxmlformats.org/drawingml/2006/main" xmlns:r="http://schemas.openxmlformats.org/officeDocument/2006/relationships" xmlns:p="http://schemas.openxmlformats.org/presentationml/2006/main">
   <p:cSld>
     <p:spTree>
@@ -4317,7 +4944,7 @@
 </p:sld>
 </file>
 
-<file path=ppt/slides/slide5.xml><?xml version="1.0" encoding="utf-8"?>
+<file path=ppt/slides/slide6.xml><?xml version="1.0" encoding="utf-8"?>
 <p:sld xmlns:a="http://schemas.openxmlformats.org/drawingml/2006/main" xmlns:r="http://schemas.openxmlformats.org/officeDocument/2006/relationships" xmlns:p="http://schemas.openxmlformats.org/presentationml/2006/main">
   <p:cSld>
     <p:spTree>
@@ -4487,7 +5114,7 @@
 </p:sld>
 </file>
 
-<file path=ppt/slides/slide6.xml><?xml version="1.0" encoding="utf-8"?>
+<file path=ppt/slides/slide7.xml><?xml version="1.0" encoding="utf-8"?>
 <p:sld xmlns:a="http://schemas.openxmlformats.org/drawingml/2006/main" xmlns:r="http://schemas.openxmlformats.org/officeDocument/2006/relationships" xmlns:p="http://schemas.openxmlformats.org/presentationml/2006/main">
   <p:cSld>
     <p:spTree>
@@ -4521,7 +5148,11 @@
           <a:p>
             <a:r>
               <a:rPr lang="en-AU" dirty="0" smtClean="0"/>
-              <a:t>Video Devices</a:t>
+              <a:t>Video </a:t>
+            </a:r>
+            <a:r>
+              <a:rPr lang="en-AU" dirty="0" smtClean="0"/>
+              <a:t>Device Selection</a:t>
             </a:r>
             <a:endParaRPr lang="en-AU" dirty="0"/>
           </a:p>
@@ -4569,11 +5200,197 @@
           <a:p>
             <a:r>
               <a:rPr lang="en-AU" dirty="0" smtClean="0"/>
-              <a:t>‘Step4’ </a:t>
-            </a:r>
+              <a:t>The recommended video device and audio device should be automatically selected.</a:t>
+            </a:r>
+            <a:endParaRPr lang="en-AU" dirty="0" smtClean="0"/>
+          </a:p>
+        </p:txBody>
+      </p:sp>
+      <p:sp>
+        <p:nvSpPr>
+          <p:cNvPr id="5" name="Text Placeholder 4"/>
+          <p:cNvSpPr>
+            <a:spLocks noGrp="1"/>
+          </p:cNvSpPr>
+          <p:nvPr>
+            <p:ph type="body" sz="quarter" idx="3"/>
+          </p:nvPr>
+        </p:nvSpPr>
+        <p:spPr/>
+        <p:txBody>
+          <a:bodyPr/>
+          <a:lstStyle/>
+          <a:p>
             <a:r>
               <a:rPr lang="en-AU" dirty="0" smtClean="0"/>
-              <a:t>is enabled, and has no spacing between the word ‘Step’ and ‘4’.</a:t>
+              <a:t>Screenshot</a:t>
+            </a:r>
+            <a:endParaRPr lang="en-AU" dirty="0"/>
+          </a:p>
+        </p:txBody>
+      </p:sp>
+      <p:pic>
+        <p:nvPicPr>
+          <p:cNvPr id="1026" name="Picture 2"/>
+          <p:cNvPicPr>
+            <a:picLocks noGrp="1" noChangeAspect="1" noChangeArrowheads="1"/>
+          </p:cNvPicPr>
+          <p:nvPr>
+            <p:ph sz="quarter" idx="4"/>
+          </p:nvPr>
+        </p:nvPicPr>
+        <p:blipFill>
+          <a:blip r:embed="rId2">
+            <a:extLst>
+              <a:ext uri="{28A0092B-C50C-407E-A947-70E740481C1C}">
+                <a14:useLocalDpi xmlns:a14="http://schemas.microsoft.com/office/drawing/2010/main" val="0"/>
+              </a:ext>
+            </a:extLst>
+          </a:blip>
+          <a:srcRect/>
+          <a:stretch>
+            <a:fillRect/>
+          </a:stretch>
+        </p:blipFill>
+        <p:spPr bwMode="auto">
+          <a:xfrm>
+            <a:off x="4645025" y="2164757"/>
+            <a:ext cx="4041775" cy="1895073"/>
+          </a:xfrm>
+          <a:prstGeom prst="rect">
+            <a:avLst/>
+          </a:prstGeom>
+          <a:noFill/>
+          <a:ln>
+            <a:noFill/>
+          </a:ln>
+          <a:effectLst/>
+          <a:extLst>
+            <a:ext uri="{909E8E84-426E-40DD-AFC4-6F175D3DCCD1}">
+              <a14:hiddenFill xmlns:a14="http://schemas.microsoft.com/office/drawing/2010/main">
+                <a:solidFill>
+                  <a:schemeClr val="accent1"/>
+                </a:solidFill>
+              </a14:hiddenFill>
+            </a:ext>
+            <a:ext uri="{91240B29-F687-4F45-9708-019B960494DF}">
+              <a14:hiddenLine xmlns:a14="http://schemas.microsoft.com/office/drawing/2010/main" w="9525">
+                <a:solidFill>
+                  <a:schemeClr val="tx1"/>
+                </a:solidFill>
+                <a:miter lim="800000"/>
+                <a:headEnd/>
+                <a:tailEnd/>
+              </a14:hiddenLine>
+            </a:ext>
+            <a:ext uri="{AF507438-7753-43E0-B8FC-AC1667EBCBE1}">
+              <a14:hiddenEffects xmlns:a14="http://schemas.microsoft.com/office/drawing/2010/main">
+                <a:effectLst>
+                  <a:outerShdw dist="35921" dir="2700000" algn="ctr" rotWithShape="0">
+                    <a:schemeClr val="bg2"/>
+                  </a:outerShdw>
+                </a:effectLst>
+              </a14:hiddenEffects>
+            </a:ext>
+          </a:extLst>
+        </p:spPr>
+      </p:pic>
+    </p:spTree>
+    <p:extLst>
+      <p:ext uri="{BB962C8B-B14F-4D97-AF65-F5344CB8AC3E}">
+        <p14:creationId xmlns:p14="http://schemas.microsoft.com/office/powerpoint/2010/main" val="163457082"/>
+      </p:ext>
+    </p:extLst>
+  </p:cSld>
+  <p:clrMapOvr>
+    <a:masterClrMapping/>
+  </p:clrMapOvr>
+</p:sld>
+</file>
+
+<file path=ppt/slides/slide8.xml><?xml version="1.0" encoding="utf-8"?>
+<p:sld xmlns:a="http://schemas.openxmlformats.org/drawingml/2006/main" xmlns:r="http://schemas.openxmlformats.org/officeDocument/2006/relationships" xmlns:p="http://schemas.openxmlformats.org/presentationml/2006/main">
+  <p:cSld>
+    <p:spTree>
+      <p:nvGrpSpPr>
+        <p:cNvPr id="1" name=""/>
+        <p:cNvGrpSpPr/>
+        <p:nvPr/>
+      </p:nvGrpSpPr>
+      <p:grpSpPr>
+        <a:xfrm>
+          <a:off x="0" y="0"/>
+          <a:ext cx="0" cy="0"/>
+          <a:chOff x="0" y="0"/>
+          <a:chExt cx="0" cy="0"/>
+        </a:xfrm>
+      </p:grpSpPr>
+      <p:sp>
+        <p:nvSpPr>
+          <p:cNvPr id="2" name="Title 1"/>
+          <p:cNvSpPr>
+            <a:spLocks noGrp="1"/>
+          </p:cNvSpPr>
+          <p:nvPr>
+            <p:ph type="title"/>
+          </p:nvPr>
+        </p:nvSpPr>
+        <p:spPr/>
+        <p:txBody>
+          <a:bodyPr/>
+          <a:lstStyle/>
+          <a:p>
+            <a:r>
+              <a:rPr lang="en-AU" dirty="0" smtClean="0"/>
+              <a:t>Video Devices</a:t>
+            </a:r>
+            <a:endParaRPr lang="en-AU" dirty="0"/>
+          </a:p>
+        </p:txBody>
+      </p:sp>
+      <p:sp>
+        <p:nvSpPr>
+          <p:cNvPr id="3" name="Text Placeholder 2"/>
+          <p:cNvSpPr>
+            <a:spLocks noGrp="1"/>
+          </p:cNvSpPr>
+          <p:nvPr>
+            <p:ph type="body" idx="1"/>
+          </p:nvPr>
+        </p:nvSpPr>
+        <p:spPr/>
+        <p:txBody>
+          <a:bodyPr/>
+          <a:lstStyle/>
+          <a:p>
+            <a:r>
+              <a:rPr lang="en-AU" dirty="0" smtClean="0"/>
+              <a:t>Issue/Fix</a:t>
+            </a:r>
+            <a:endParaRPr lang="en-AU" dirty="0"/>
+          </a:p>
+        </p:txBody>
+      </p:sp>
+      <p:sp>
+        <p:nvSpPr>
+          <p:cNvPr id="4" name="Content Placeholder 3"/>
+          <p:cNvSpPr>
+            <a:spLocks noGrp="1"/>
+          </p:cNvSpPr>
+          <p:nvPr>
+            <p:ph sz="half" idx="2"/>
+          </p:nvPr>
+        </p:nvSpPr>
+        <p:spPr/>
+        <p:txBody>
+          <a:bodyPr>
+            <a:normAutofit/>
+          </a:bodyPr>
+          <a:lstStyle/>
+          <a:p>
+            <a:r>
+              <a:rPr lang="en-AU" dirty="0" smtClean="0"/>
+              <a:t>‘Step4’ is enabled, and has no spacing between the word ‘Step’ and ‘4’.</a:t>
             </a:r>
           </a:p>
           <a:p>
@@ -4653,7 +5470,7 @@
     </p:spTree>
     <p:extLst>
       <p:ext uri="{BB962C8B-B14F-4D97-AF65-F5344CB8AC3E}">
-        <p14:creationId xmlns:p14="http://schemas.microsoft.com/office/powerpoint/2010/main" val="163457082"/>
+        <p14:creationId xmlns:p14="http://schemas.microsoft.com/office/powerpoint/2010/main" val="2648400057"/>
       </p:ext>
     </p:extLst>
   </p:cSld>
@@ -4663,7 +5480,7 @@
 </p:sld>
 </file>
 
-<file path=ppt/slides/slide7.xml><?xml version="1.0" encoding="utf-8"?>
+<file path=ppt/slides/slide9.xml><?xml version="1.0" encoding="utf-8"?>
 <p:sld xmlns:a="http://schemas.openxmlformats.org/drawingml/2006/main" xmlns:r="http://schemas.openxmlformats.org/officeDocument/2006/relationships" xmlns:p="http://schemas.openxmlformats.org/presentationml/2006/main">
   <p:cSld>
     <p:spTree>
@@ -4753,7 +5570,6 @@
               <a:rPr lang="en-AU" dirty="0" smtClean="0"/>
               <a:t>Add more spacing in between fields.</a:t>
             </a:r>
-            <a:endParaRPr lang="en-AU" dirty="0" smtClean="0"/>
           </a:p>
         </p:txBody>
       </p:sp>
@@ -4850,321 +5666,6 @@
     <p:extLst>
       <p:ext uri="{BB962C8B-B14F-4D97-AF65-F5344CB8AC3E}">
         <p14:creationId xmlns:p14="http://schemas.microsoft.com/office/powerpoint/2010/main" val="2842967068"/>
-      </p:ext>
-    </p:extLst>
-  </p:cSld>
-  <p:clrMapOvr>
-    <a:masterClrMapping/>
-  </p:clrMapOvr>
-</p:sld>
-</file>
-
-<file path=ppt/slides/slide8.xml><?xml version="1.0" encoding="utf-8"?>
-<p:sld xmlns:a="http://schemas.openxmlformats.org/drawingml/2006/main" xmlns:r="http://schemas.openxmlformats.org/officeDocument/2006/relationships" xmlns:p="http://schemas.openxmlformats.org/presentationml/2006/main">
-  <p:cSld>
-    <p:spTree>
-      <p:nvGrpSpPr>
-        <p:cNvPr id="1" name=""/>
-        <p:cNvGrpSpPr/>
-        <p:nvPr/>
-      </p:nvGrpSpPr>
-      <p:grpSpPr>
-        <a:xfrm>
-          <a:off x="0" y="0"/>
-          <a:ext cx="0" cy="0"/>
-          <a:chOff x="0" y="0"/>
-          <a:chExt cx="0" cy="0"/>
-        </a:xfrm>
-      </p:grpSpPr>
-      <p:sp>
-        <p:nvSpPr>
-          <p:cNvPr id="2" name="Title 1"/>
-          <p:cNvSpPr>
-            <a:spLocks noGrp="1"/>
-          </p:cNvSpPr>
-          <p:nvPr>
-            <p:ph type="title"/>
-          </p:nvPr>
-        </p:nvSpPr>
-        <p:spPr/>
-        <p:txBody>
-          <a:bodyPr/>
-          <a:lstStyle/>
-          <a:p>
-            <a:r>
-              <a:rPr lang="en-AU" dirty="0" smtClean="0"/>
-              <a:t>Recording Display</a:t>
-            </a:r>
-            <a:endParaRPr lang="en-AU" dirty="0"/>
-          </a:p>
-        </p:txBody>
-      </p:sp>
-      <p:sp>
-        <p:nvSpPr>
-          <p:cNvPr id="3" name="Text Placeholder 2"/>
-          <p:cNvSpPr>
-            <a:spLocks noGrp="1"/>
-          </p:cNvSpPr>
-          <p:nvPr>
-            <p:ph type="body" idx="1"/>
-          </p:nvPr>
-        </p:nvSpPr>
-        <p:spPr/>
-        <p:txBody>
-          <a:bodyPr/>
-          <a:lstStyle/>
-          <a:p>
-            <a:r>
-              <a:rPr lang="en-AU" dirty="0" smtClean="0"/>
-              <a:t>Issue/Fix</a:t>
-            </a:r>
-            <a:endParaRPr lang="en-AU" dirty="0"/>
-          </a:p>
-        </p:txBody>
-      </p:sp>
-      <p:sp>
-        <p:nvSpPr>
-          <p:cNvPr id="4" name="Content Placeholder 3"/>
-          <p:cNvSpPr>
-            <a:spLocks noGrp="1"/>
-          </p:cNvSpPr>
-          <p:nvPr>
-            <p:ph sz="half" idx="2"/>
-          </p:nvPr>
-        </p:nvSpPr>
-        <p:spPr/>
-        <p:txBody>
-          <a:bodyPr>
-            <a:normAutofit/>
-          </a:bodyPr>
-          <a:lstStyle/>
-          <a:p>
-            <a:r>
-              <a:rPr lang="en-AU" dirty="0" smtClean="0"/>
-              <a:t>The student is allowed </a:t>
-            </a:r>
-            <a:r>
-              <a:rPr lang="en-AU" smtClean="0"/>
-              <a:t>to view the </a:t>
-            </a:r>
-            <a:r>
-              <a:rPr lang="en-AU" dirty="0" smtClean="0"/>
-              <a:t>face recognition modules.</a:t>
-            </a:r>
-          </a:p>
-          <a:p>
-            <a:r>
-              <a:rPr lang="en-AU" dirty="0" smtClean="0"/>
-              <a:t>Disable it completely. Just add the timer and confirm to the student that the proctoring is working.</a:t>
-            </a:r>
-            <a:endParaRPr lang="en-AU" dirty="0" smtClean="0"/>
-          </a:p>
-        </p:txBody>
-      </p:sp>
-      <p:sp>
-        <p:nvSpPr>
-          <p:cNvPr id="5" name="Text Placeholder 4"/>
-          <p:cNvSpPr>
-            <a:spLocks noGrp="1"/>
-          </p:cNvSpPr>
-          <p:nvPr>
-            <p:ph type="body" sz="quarter" idx="3"/>
-          </p:nvPr>
-        </p:nvSpPr>
-        <p:spPr/>
-        <p:txBody>
-          <a:bodyPr/>
-          <a:lstStyle/>
-          <a:p>
-            <a:r>
-              <a:rPr lang="en-AU" dirty="0" smtClean="0"/>
-              <a:t>Screenshot</a:t>
-            </a:r>
-            <a:endParaRPr lang="en-AU" dirty="0"/>
-          </a:p>
-        </p:txBody>
-      </p:sp>
-      <p:pic>
-        <p:nvPicPr>
-          <p:cNvPr id="2050" name="Picture 2"/>
-          <p:cNvPicPr>
-            <a:picLocks noGrp="1" noChangeAspect="1" noChangeArrowheads="1"/>
-          </p:cNvPicPr>
-          <p:nvPr>
-            <p:ph sz="quarter" idx="4"/>
-          </p:nvPr>
-        </p:nvPicPr>
-        <p:blipFill>
-          <a:blip r:embed="rId2">
-            <a:extLst>
-              <a:ext uri="{28A0092B-C50C-407E-A947-70E740481C1C}">
-                <a14:useLocalDpi xmlns:a14="http://schemas.microsoft.com/office/drawing/2010/main" val="0"/>
-              </a:ext>
-            </a:extLst>
-          </a:blip>
-          <a:srcRect/>
-          <a:stretch>
-            <a:fillRect/>
-          </a:stretch>
-        </p:blipFill>
-        <p:spPr bwMode="auto">
-          <a:xfrm>
-            <a:off x="4645025" y="1960727"/>
-            <a:ext cx="4041775" cy="2303134"/>
-          </a:xfrm>
-          <a:prstGeom prst="rect">
-            <a:avLst/>
-          </a:prstGeom>
-          <a:noFill/>
-          <a:ln>
-            <a:noFill/>
-          </a:ln>
-          <a:effectLst/>
-          <a:extLst>
-            <a:ext uri="{909E8E84-426E-40DD-AFC4-6F175D3DCCD1}">
-              <a14:hiddenFill xmlns:a14="http://schemas.microsoft.com/office/drawing/2010/main">
-                <a:solidFill>
-                  <a:schemeClr val="accent1"/>
-                </a:solidFill>
-              </a14:hiddenFill>
-            </a:ext>
-            <a:ext uri="{91240B29-F687-4F45-9708-019B960494DF}">
-              <a14:hiddenLine xmlns:a14="http://schemas.microsoft.com/office/drawing/2010/main" w="9525">
-                <a:solidFill>
-                  <a:schemeClr val="tx1"/>
-                </a:solidFill>
-                <a:miter lim="800000"/>
-                <a:headEnd/>
-                <a:tailEnd/>
-              </a14:hiddenLine>
-            </a:ext>
-            <a:ext uri="{AF507438-7753-43E0-B8FC-AC1667EBCBE1}">
-              <a14:hiddenEffects xmlns:a14="http://schemas.microsoft.com/office/drawing/2010/main">
-                <a:effectLst>
-                  <a:outerShdw dist="35921" dir="2700000" algn="ctr" rotWithShape="0">
-                    <a:schemeClr val="bg2"/>
-                  </a:outerShdw>
-                </a:effectLst>
-              </a14:hiddenEffects>
-            </a:ext>
-          </a:extLst>
-        </p:spPr>
-      </p:pic>
-    </p:spTree>
-    <p:extLst>
-      <p:ext uri="{BB962C8B-B14F-4D97-AF65-F5344CB8AC3E}">
-        <p14:creationId xmlns:p14="http://schemas.microsoft.com/office/powerpoint/2010/main" val="2478248559"/>
-      </p:ext>
-    </p:extLst>
-  </p:cSld>
-  <p:clrMapOvr>
-    <a:masterClrMapping/>
-  </p:clrMapOvr>
-</p:sld>
-</file>
-
-<file path=ppt/slides/slide9.xml><?xml version="1.0" encoding="utf-8"?>
-<p:sld xmlns:a="http://schemas.openxmlformats.org/drawingml/2006/main" xmlns:r="http://schemas.openxmlformats.org/officeDocument/2006/relationships" xmlns:p="http://schemas.openxmlformats.org/presentationml/2006/main">
-  <p:cSld>
-    <p:spTree>
-      <p:nvGrpSpPr>
-        <p:cNvPr id="1" name=""/>
-        <p:cNvGrpSpPr/>
-        <p:nvPr/>
-      </p:nvGrpSpPr>
-      <p:grpSpPr>
-        <a:xfrm>
-          <a:off x="0" y="0"/>
-          <a:ext cx="0" cy="0"/>
-          <a:chOff x="0" y="0"/>
-          <a:chExt cx="0" cy="0"/>
-        </a:xfrm>
-      </p:grpSpPr>
-      <p:sp>
-        <p:nvSpPr>
-          <p:cNvPr id="2" name="Title 1"/>
-          <p:cNvSpPr>
-            <a:spLocks noGrp="1"/>
-          </p:cNvSpPr>
-          <p:nvPr>
-            <p:ph type="title"/>
-          </p:nvPr>
-        </p:nvSpPr>
-        <p:spPr/>
-        <p:txBody>
-          <a:bodyPr>
-            <a:normAutofit/>
-          </a:bodyPr>
-          <a:lstStyle/>
-          <a:p>
-            <a:r>
-              <a:rPr lang="en-AU" dirty="0" smtClean="0"/>
-              <a:t>Timing of Proctoring Popup</a:t>
-            </a:r>
-            <a:endParaRPr lang="en-AU" dirty="0"/>
-          </a:p>
-        </p:txBody>
-      </p:sp>
-      <p:sp>
-        <p:nvSpPr>
-          <p:cNvPr id="3" name="Text Placeholder 2"/>
-          <p:cNvSpPr>
-            <a:spLocks noGrp="1"/>
-          </p:cNvSpPr>
-          <p:nvPr>
-            <p:ph type="body" idx="1"/>
-          </p:nvPr>
-        </p:nvSpPr>
-        <p:spPr/>
-        <p:txBody>
-          <a:bodyPr/>
-          <a:lstStyle/>
-          <a:p>
-            <a:r>
-              <a:rPr lang="en-AU" dirty="0" smtClean="0"/>
-              <a:t>Issue/Fix</a:t>
-            </a:r>
-            <a:endParaRPr lang="en-AU" dirty="0"/>
-          </a:p>
-        </p:txBody>
-      </p:sp>
-      <p:sp>
-        <p:nvSpPr>
-          <p:cNvPr id="4" name="Content Placeholder 3"/>
-          <p:cNvSpPr>
-            <a:spLocks noGrp="1"/>
-          </p:cNvSpPr>
-          <p:nvPr>
-            <p:ph sz="half" idx="2"/>
-          </p:nvPr>
-        </p:nvSpPr>
-        <p:spPr>
-          <a:xfrm>
-            <a:off x="457200" y="1631156"/>
-            <a:ext cx="8075240" cy="2963466"/>
-          </a:xfrm>
-        </p:spPr>
-        <p:txBody>
-          <a:bodyPr/>
-          <a:lstStyle/>
-          <a:p>
-            <a:r>
-              <a:rPr lang="en-AU" dirty="0" smtClean="0"/>
-              <a:t>The Proctoring plugin popped up during an unrelated Curtin Quiz I undertook.</a:t>
-            </a:r>
-          </a:p>
-          <a:p>
-            <a:r>
-              <a:rPr lang="en-AU" dirty="0" smtClean="0"/>
-              <a:t>The Proctoring Plugin Popup needs to be optimised to pop up at the right tests. Ensure it only works for the right tests.</a:t>
-            </a:r>
-          </a:p>
-        </p:txBody>
-      </p:sp>
-    </p:spTree>
-    <p:extLst>
-      <p:ext uri="{BB962C8B-B14F-4D97-AF65-F5344CB8AC3E}">
-        <p14:creationId xmlns:p14="http://schemas.microsoft.com/office/powerpoint/2010/main" val="1904817611"/>
       </p:ext>
     </p:extLst>
   </p:cSld>

--- a/proctoring/Proctoring Suggested Changes.pptx
+++ b/proctoring/Proctoring Suggested Changes.pptx
@@ -539,14 +539,6 @@
           <a:bodyPr/>
           <a:lstStyle/>
           <a:p>
-            <a:r>
-              <a:rPr lang="en-AU" dirty="0" smtClean="0"/>
-              <a:t>Critical issue, as I am not quite sure how to re-enable</a:t>
-            </a:r>
-            <a:r>
-              <a:rPr lang="en-AU" baseline="0" dirty="0" smtClean="0"/>
-              <a:t> it.</a:t>
-            </a:r>
             <a:endParaRPr lang="en-AU" dirty="0"/>
           </a:p>
         </p:txBody>
@@ -631,14 +623,6 @@
           <a:bodyPr/>
           <a:lstStyle/>
           <a:p>
-            <a:r>
-              <a:rPr lang="en-AU" dirty="0" smtClean="0"/>
-              <a:t>Critical issue, as I am not quite sure how to re-enable</a:t>
-            </a:r>
-            <a:r>
-              <a:rPr lang="en-AU" baseline="0" dirty="0" smtClean="0"/>
-              <a:t> it.</a:t>
-            </a:r>
             <a:endParaRPr lang="en-AU" dirty="0"/>
           </a:p>
         </p:txBody>
@@ -4437,19 +4421,28 @@
         <p:spPr/>
         <p:txBody>
           <a:bodyPr>
-            <a:normAutofit/>
+            <a:normAutofit fontScale="92500" lnSpcReduction="20000"/>
           </a:bodyPr>
           <a:lstStyle/>
           <a:p>
             <a:r>
-              <a:rPr lang="en-AU" smtClean="0"/>
-              <a:t>Similarly </a:t>
-            </a:r>
-            <a:r>
               <a:rPr lang="en-AU" dirty="0" smtClean="0"/>
-              <a:t>to the screen recording,.</a:t>
-            </a:r>
-            <a:endParaRPr lang="en-AU" dirty="0" smtClean="0"/>
+              <a:t>Similarly to the screen recording, when disabling the app’s access to screen record, it simply continues while disregarding the screen recording.</a:t>
+            </a:r>
+          </a:p>
+          <a:p>
+            <a:r>
+              <a:rPr lang="en-AU" dirty="0"/>
+              <a:t>If user </a:t>
+            </a:r>
+            <a:r>
+              <a:rPr lang="en-AU" dirty="0" smtClean="0"/>
+              <a:t>disallows screen recording, </a:t>
+            </a:r>
+            <a:r>
+              <a:rPr lang="en-AU" dirty="0"/>
+              <a:t>then disallow them to continue. Kindly remind them how to re-enable access.</a:t>
+            </a:r>
           </a:p>
         </p:txBody>
       </p:sp>
